--- a/pages/advent2022/img/fig.pptx
+++ b/pages/advent2022/img/fig.pptx
@@ -6,6 +6,7 @@
   </p:sldMasterIdLst>
   <p:sldIdLst>
     <p:sldId id="256" r:id="rId2"/>
+    <p:sldId id="257" r:id="rId3"/>
   </p:sldIdLst>
   <p:sldSz cx="12192000" cy="6858000"/>
   <p:notesSz cx="6858000" cy="9144000"/>
@@ -104,6 +105,11 @@
       </a:defRPr>
     </a:lvl9pPr>
   </p:defaultTextStyle>
+  <p:extLst>
+    <p:ext uri="{EFAFB233-063F-42B5-8137-9DF3F51BA10A}">
+      <p15:sldGuideLst xmlns:p15="http://schemas.microsoft.com/office/powerpoint/2012/main"/>
+    </p:ext>
+  </p:extLst>
 </p:presentation>
 </file>
 
@@ -4957,6 +4963,2304 @@
 </p:sld>
 </file>
 
+<file path=ppt/slides/slide2.xml><?xml version="1.0" encoding="utf-8"?>
+<p:sld xmlns:a="http://schemas.openxmlformats.org/drawingml/2006/main" xmlns:r="http://schemas.openxmlformats.org/officeDocument/2006/relationships" xmlns:p="http://schemas.openxmlformats.org/presentationml/2006/main">
+  <p:cSld>
+    <p:spTree>
+      <p:nvGrpSpPr>
+        <p:cNvPr id="1" name=""/>
+        <p:cNvGrpSpPr/>
+        <p:nvPr/>
+      </p:nvGrpSpPr>
+      <p:grpSpPr>
+        <a:xfrm>
+          <a:off x="0" y="0"/>
+          <a:ext cx="0" cy="0"/>
+          <a:chOff x="0" y="0"/>
+          <a:chExt cx="0" cy="0"/>
+        </a:xfrm>
+      </p:grpSpPr>
+      <p:pic>
+        <p:nvPicPr>
+          <p:cNvPr id="9" name="Picture 5">
+            <a:extLst>
+              <a:ext uri="{FF2B5EF4-FFF2-40B4-BE49-F238E27FC236}">
+                <a16:creationId xmlns:a16="http://schemas.microsoft.com/office/drawing/2014/main" id="{F3F708DB-3C45-9AB1-7ACE-39E08C2518B8}"/>
+              </a:ext>
+            </a:extLst>
+          </p:cNvPr>
+          <p:cNvPicPr>
+            <a:picLocks noChangeAspect="1" noChangeArrowheads="1"/>
+          </p:cNvPicPr>
+          <p:nvPr/>
+        </p:nvPicPr>
+        <p:blipFill>
+          <a:blip r:embed="rId2">
+            <a:extLst>
+              <a:ext uri="{28A0092B-C50C-407E-A947-70E740481C1C}">
+                <a14:useLocalDpi xmlns:a14="http://schemas.microsoft.com/office/drawing/2010/main" val="0"/>
+              </a:ext>
+            </a:extLst>
+          </a:blip>
+          <a:srcRect/>
+          <a:stretch>
+            <a:fillRect/>
+          </a:stretch>
+        </p:blipFill>
+        <p:spPr bwMode="auto">
+          <a:xfrm>
+            <a:off x="1422159" y="3185159"/>
+            <a:ext cx="487680" cy="487680"/>
+          </a:xfrm>
+          <a:prstGeom prst="rect">
+            <a:avLst/>
+          </a:prstGeom>
+          <a:noFill/>
+          <a:extLst>
+            <a:ext uri="{909E8E84-426E-40DD-AFC4-6F175D3DCCD1}">
+              <a14:hiddenFill xmlns:a14="http://schemas.microsoft.com/office/drawing/2010/main">
+                <a:solidFill>
+                  <a:srgbClr val="FFFFFF"/>
+                </a:solidFill>
+              </a14:hiddenFill>
+            </a:ext>
+          </a:extLst>
+        </p:spPr>
+      </p:pic>
+      <p:pic>
+        <p:nvPicPr>
+          <p:cNvPr id="15" name="Picture 2">
+            <a:extLst>
+              <a:ext uri="{FF2B5EF4-FFF2-40B4-BE49-F238E27FC236}">
+                <a16:creationId xmlns:a16="http://schemas.microsoft.com/office/drawing/2014/main" id="{0C1BA225-DD2A-47BB-B3B0-38A133E35C3F}"/>
+              </a:ext>
+            </a:extLst>
+          </p:cNvPr>
+          <p:cNvPicPr>
+            <a:picLocks noChangeAspect="1" noChangeArrowheads="1"/>
+          </p:cNvPicPr>
+          <p:nvPr/>
+        </p:nvPicPr>
+        <p:blipFill>
+          <a:blip r:embed="rId3" cstate="print">
+            <a:extLst>
+              <a:ext uri="{28A0092B-C50C-407E-A947-70E740481C1C}">
+                <a14:useLocalDpi xmlns:a14="http://schemas.microsoft.com/office/drawing/2010/main" val="0"/>
+              </a:ext>
+            </a:extLst>
+          </a:blip>
+          <a:srcRect/>
+          <a:stretch>
+            <a:fillRect/>
+          </a:stretch>
+        </p:blipFill>
+        <p:spPr bwMode="auto">
+          <a:xfrm>
+            <a:off x="4127208" y="1311252"/>
+            <a:ext cx="434198" cy="461335"/>
+          </a:xfrm>
+          <a:prstGeom prst="rect">
+            <a:avLst/>
+          </a:prstGeom>
+          <a:noFill/>
+          <a:extLst>
+            <a:ext uri="{909E8E84-426E-40DD-AFC4-6F175D3DCCD1}">
+              <a14:hiddenFill xmlns:a14="http://schemas.microsoft.com/office/drawing/2010/main">
+                <a:solidFill>
+                  <a:srgbClr val="FFFFFF"/>
+                </a:solidFill>
+              </a14:hiddenFill>
+            </a:ext>
+          </a:extLst>
+        </p:spPr>
+      </p:pic>
+      <p:pic>
+        <p:nvPicPr>
+          <p:cNvPr id="16" name="Picture 6">
+            <a:extLst>
+              <a:ext uri="{FF2B5EF4-FFF2-40B4-BE49-F238E27FC236}">
+                <a16:creationId xmlns:a16="http://schemas.microsoft.com/office/drawing/2014/main" id="{84CE14BB-CE89-4B68-B86C-34EE0134A5F1}"/>
+              </a:ext>
+            </a:extLst>
+          </p:cNvPr>
+          <p:cNvPicPr>
+            <a:picLocks noChangeAspect="1" noChangeArrowheads="1"/>
+          </p:cNvPicPr>
+          <p:nvPr/>
+        </p:nvPicPr>
+        <p:blipFill>
+          <a:blip r:embed="rId4">
+            <a:extLst>
+              <a:ext uri="{28A0092B-C50C-407E-A947-70E740481C1C}">
+                <a14:useLocalDpi xmlns:a14="http://schemas.microsoft.com/office/drawing/2010/main" val="0"/>
+              </a:ext>
+            </a:extLst>
+          </a:blip>
+          <a:srcRect/>
+          <a:stretch>
+            <a:fillRect/>
+          </a:stretch>
+        </p:blipFill>
+        <p:spPr bwMode="auto">
+          <a:xfrm>
+            <a:off x="2646062" y="2309641"/>
+            <a:ext cx="488506" cy="488506"/>
+          </a:xfrm>
+          <a:prstGeom prst="rect">
+            <a:avLst/>
+          </a:prstGeom>
+          <a:noFill/>
+          <a:extLst>
+            <a:ext uri="{909E8E84-426E-40DD-AFC4-6F175D3DCCD1}">
+              <a14:hiddenFill xmlns:a14="http://schemas.microsoft.com/office/drawing/2010/main">
+                <a:solidFill>
+                  <a:srgbClr val="FFFFFF"/>
+                </a:solidFill>
+              </a14:hiddenFill>
+            </a:ext>
+          </a:extLst>
+        </p:spPr>
+      </p:pic>
+      <p:pic>
+        <p:nvPicPr>
+          <p:cNvPr id="17" name="Picture 6">
+            <a:extLst>
+              <a:ext uri="{FF2B5EF4-FFF2-40B4-BE49-F238E27FC236}">
+                <a16:creationId xmlns:a16="http://schemas.microsoft.com/office/drawing/2014/main" id="{4B0FC8EF-C1B6-4505-A17F-8FC0DA6FE0A9}"/>
+              </a:ext>
+            </a:extLst>
+          </p:cNvPr>
+          <p:cNvPicPr>
+            <a:picLocks noChangeAspect="1" noChangeArrowheads="1"/>
+          </p:cNvPicPr>
+          <p:nvPr/>
+        </p:nvPicPr>
+        <p:blipFill>
+          <a:blip r:embed="rId4">
+            <a:extLst>
+              <a:ext uri="{28A0092B-C50C-407E-A947-70E740481C1C}">
+                <a14:useLocalDpi xmlns:a14="http://schemas.microsoft.com/office/drawing/2010/main" val="0"/>
+              </a:ext>
+            </a:extLst>
+          </a:blip>
+          <a:srcRect/>
+          <a:stretch>
+            <a:fillRect/>
+          </a:stretch>
+        </p:blipFill>
+        <p:spPr bwMode="auto">
+          <a:xfrm>
+            <a:off x="5664870" y="2574080"/>
+            <a:ext cx="488506" cy="488506"/>
+          </a:xfrm>
+          <a:prstGeom prst="rect">
+            <a:avLst/>
+          </a:prstGeom>
+          <a:noFill/>
+          <a:extLst>
+            <a:ext uri="{909E8E84-426E-40DD-AFC4-6F175D3DCCD1}">
+              <a14:hiddenFill xmlns:a14="http://schemas.microsoft.com/office/drawing/2010/main">
+                <a:solidFill>
+                  <a:srgbClr val="FFFFFF"/>
+                </a:solidFill>
+              </a14:hiddenFill>
+            </a:ext>
+          </a:extLst>
+        </p:spPr>
+      </p:pic>
+      <p:pic>
+        <p:nvPicPr>
+          <p:cNvPr id="19" name="Picture 2" descr="光BBユニット">
+            <a:extLst>
+              <a:ext uri="{FF2B5EF4-FFF2-40B4-BE49-F238E27FC236}">
+                <a16:creationId xmlns:a16="http://schemas.microsoft.com/office/drawing/2014/main" id="{7CF08936-8E21-25D5-543C-D5149DC8FC20}"/>
+              </a:ext>
+            </a:extLst>
+          </p:cNvPr>
+          <p:cNvPicPr>
+            <a:picLocks noChangeAspect="1" noChangeArrowheads="1"/>
+          </p:cNvPicPr>
+          <p:nvPr/>
+        </p:nvPicPr>
+        <p:blipFill>
+          <a:blip r:embed="rId5">
+            <a:extLst>
+              <a:ext uri="{28A0092B-C50C-407E-A947-70E740481C1C}">
+                <a14:useLocalDpi xmlns:a14="http://schemas.microsoft.com/office/drawing/2010/main" val="0"/>
+              </a:ext>
+            </a:extLst>
+          </a:blip>
+          <a:srcRect/>
+          <a:stretch>
+            <a:fillRect/>
+          </a:stretch>
+        </p:blipFill>
+        <p:spPr bwMode="auto">
+          <a:xfrm>
+            <a:off x="2111497" y="3008051"/>
+            <a:ext cx="611567" cy="841897"/>
+          </a:xfrm>
+          <a:prstGeom prst="rect">
+            <a:avLst/>
+          </a:prstGeom>
+          <a:noFill/>
+          <a:extLst>
+            <a:ext uri="{909E8E84-426E-40DD-AFC4-6F175D3DCCD1}">
+              <a14:hiddenFill xmlns:a14="http://schemas.microsoft.com/office/drawing/2010/main">
+                <a:solidFill>
+                  <a:srgbClr val="FFFFFF"/>
+                </a:solidFill>
+              </a14:hiddenFill>
+            </a:ext>
+          </a:extLst>
+        </p:spPr>
+      </p:pic>
+      <p:pic>
+        <p:nvPicPr>
+          <p:cNvPr id="24" name="図 23">
+            <a:extLst>
+              <a:ext uri="{FF2B5EF4-FFF2-40B4-BE49-F238E27FC236}">
+                <a16:creationId xmlns:a16="http://schemas.microsoft.com/office/drawing/2014/main" id="{0E3D910F-F3FC-02D0-5E17-E9C70303FA04}"/>
+              </a:ext>
+            </a:extLst>
+          </p:cNvPr>
+          <p:cNvPicPr>
+            <a:picLocks noChangeAspect="1"/>
+          </p:cNvPicPr>
+          <p:nvPr/>
+        </p:nvPicPr>
+        <p:blipFill rotWithShape="1">
+          <a:blip r:embed="rId6" cstate="screen">
+            <a:extLst>
+              <a:ext uri="{28A0092B-C50C-407E-A947-70E740481C1C}">
+                <a14:useLocalDpi xmlns:a14="http://schemas.microsoft.com/office/drawing/2010/main"/>
+              </a:ext>
+            </a:extLst>
+          </a:blip>
+          <a:srcRect/>
+          <a:stretch/>
+        </p:blipFill>
+        <p:spPr>
+          <a:xfrm>
+            <a:off x="5382587" y="3385397"/>
+            <a:ext cx="1145434" cy="280515"/>
+          </a:xfrm>
+          <a:prstGeom prst="rect">
+            <a:avLst/>
+          </a:prstGeom>
+        </p:spPr>
+      </p:pic>
+      <p:pic>
+        <p:nvPicPr>
+          <p:cNvPr id="27" name="図 26">
+            <a:extLst>
+              <a:ext uri="{FF2B5EF4-FFF2-40B4-BE49-F238E27FC236}">
+                <a16:creationId xmlns:a16="http://schemas.microsoft.com/office/drawing/2014/main" id="{85A85AAC-73F6-A10B-20E5-BEC716A072C8}"/>
+              </a:ext>
+            </a:extLst>
+          </p:cNvPr>
+          <p:cNvPicPr>
+            <a:picLocks noChangeAspect="1"/>
+          </p:cNvPicPr>
+          <p:nvPr/>
+        </p:nvPicPr>
+        <p:blipFill rotWithShape="1">
+          <a:blip r:embed="rId7" cstate="email">
+            <a:extLst>
+              <a:ext uri="{28A0092B-C50C-407E-A947-70E740481C1C}">
+                <a14:useLocalDpi xmlns:a14="http://schemas.microsoft.com/office/drawing/2010/main"/>
+              </a:ext>
+            </a:extLst>
+          </a:blip>
+          <a:srcRect t="31428" b="31523"/>
+          <a:stretch/>
+        </p:blipFill>
+        <p:spPr>
+          <a:xfrm>
+            <a:off x="2842971" y="3045772"/>
+            <a:ext cx="1058669" cy="392219"/>
+          </a:xfrm>
+          <a:prstGeom prst="rect">
+            <a:avLst/>
+          </a:prstGeom>
+        </p:spPr>
+      </p:pic>
+      <p:cxnSp>
+        <p:nvCxnSpPr>
+          <p:cNvPr id="29" name="直線コネクタ 28">
+            <a:extLst>
+              <a:ext uri="{FF2B5EF4-FFF2-40B4-BE49-F238E27FC236}">
+                <a16:creationId xmlns:a16="http://schemas.microsoft.com/office/drawing/2014/main" id="{2C4FE42A-8F5D-A4FD-5F36-8AEEA7E0CC9C}"/>
+              </a:ext>
+            </a:extLst>
+          </p:cNvPr>
+          <p:cNvCxnSpPr>
+            <a:stCxn id="19" idx="1"/>
+            <a:endCxn id="9" idx="3"/>
+          </p:cNvCxnSpPr>
+          <p:nvPr/>
+        </p:nvCxnSpPr>
+        <p:spPr>
+          <a:xfrm flipH="1" flipV="1">
+            <a:off x="1909839" y="3428999"/>
+            <a:ext cx="201658" cy="1"/>
+          </a:xfrm>
+          <a:prstGeom prst="line">
+            <a:avLst/>
+          </a:prstGeom>
+        </p:spPr>
+        <p:style>
+          <a:lnRef idx="1">
+            <a:schemeClr val="accent1"/>
+          </a:lnRef>
+          <a:fillRef idx="0">
+            <a:schemeClr val="accent1"/>
+          </a:fillRef>
+          <a:effectRef idx="0">
+            <a:schemeClr val="accent1"/>
+          </a:effectRef>
+          <a:fontRef idx="minor">
+            <a:schemeClr val="tx1"/>
+          </a:fontRef>
+        </p:style>
+      </p:cxnSp>
+      <p:sp>
+        <p:nvSpPr>
+          <p:cNvPr id="32" name="正方形/長方形 31">
+            <a:extLst>
+              <a:ext uri="{FF2B5EF4-FFF2-40B4-BE49-F238E27FC236}">
+                <a16:creationId xmlns:a16="http://schemas.microsoft.com/office/drawing/2014/main" id="{43D12BC2-B12B-3A2F-DFEC-F7DBA499BD20}"/>
+              </a:ext>
+            </a:extLst>
+          </p:cNvPr>
+          <p:cNvSpPr/>
+          <p:nvPr/>
+        </p:nvSpPr>
+        <p:spPr>
+          <a:xfrm>
+            <a:off x="2637690" y="3449035"/>
+            <a:ext cx="56026" cy="63638"/>
+          </a:xfrm>
+          <a:prstGeom prst="rect">
+            <a:avLst/>
+          </a:prstGeom>
+          <a:solidFill>
+            <a:schemeClr val="bg1"/>
+          </a:solidFill>
+          <a:ln w="6350">
+            <a:solidFill>
+              <a:schemeClr val="tx1"/>
+            </a:solidFill>
+          </a:ln>
+        </p:spPr>
+        <p:style>
+          <a:lnRef idx="2">
+            <a:schemeClr val="accent1">
+              <a:shade val="50000"/>
+            </a:schemeClr>
+          </a:lnRef>
+          <a:fillRef idx="1">
+            <a:schemeClr val="accent1"/>
+          </a:fillRef>
+          <a:effectRef idx="0">
+            <a:schemeClr val="accent1"/>
+          </a:effectRef>
+          <a:fontRef idx="minor">
+            <a:schemeClr val="lt1"/>
+          </a:fontRef>
+        </p:style>
+        <p:txBody>
+          <a:bodyPr rtlCol="0" anchor="ctr"/>
+          <a:lstStyle/>
+          <a:p>
+            <a:pPr algn="ctr"/>
+            <a:endParaRPr kumimoji="1" lang="ja-JP" altLang="en-US"/>
+          </a:p>
+        </p:txBody>
+      </p:sp>
+      <p:sp>
+        <p:nvSpPr>
+          <p:cNvPr id="33" name="正方形/長方形 32">
+            <a:extLst>
+              <a:ext uri="{FF2B5EF4-FFF2-40B4-BE49-F238E27FC236}">
+                <a16:creationId xmlns:a16="http://schemas.microsoft.com/office/drawing/2014/main" id="{AA093AE4-0C71-4D48-CD3B-F24A21B1D38A}"/>
+              </a:ext>
+            </a:extLst>
+          </p:cNvPr>
+          <p:cNvSpPr/>
+          <p:nvPr/>
+        </p:nvSpPr>
+        <p:spPr>
+          <a:xfrm>
+            <a:off x="3479679" y="3385397"/>
+            <a:ext cx="56026" cy="63638"/>
+          </a:xfrm>
+          <a:prstGeom prst="rect">
+            <a:avLst/>
+          </a:prstGeom>
+          <a:solidFill>
+            <a:schemeClr val="bg1"/>
+          </a:solidFill>
+          <a:ln w="6350">
+            <a:solidFill>
+              <a:schemeClr val="tx1"/>
+            </a:solidFill>
+          </a:ln>
+        </p:spPr>
+        <p:style>
+          <a:lnRef idx="2">
+            <a:schemeClr val="accent1">
+              <a:shade val="50000"/>
+            </a:schemeClr>
+          </a:lnRef>
+          <a:fillRef idx="1">
+            <a:schemeClr val="accent1"/>
+          </a:fillRef>
+          <a:effectRef idx="0">
+            <a:schemeClr val="accent1"/>
+          </a:effectRef>
+          <a:fontRef idx="minor">
+            <a:schemeClr val="lt1"/>
+          </a:fontRef>
+        </p:style>
+        <p:txBody>
+          <a:bodyPr rtlCol="0" anchor="ctr"/>
+          <a:lstStyle/>
+          <a:p>
+            <a:pPr algn="ctr"/>
+            <a:endParaRPr kumimoji="1" lang="ja-JP" altLang="en-US"/>
+          </a:p>
+        </p:txBody>
+      </p:sp>
+      <p:sp>
+        <p:nvSpPr>
+          <p:cNvPr id="34" name="正方形/長方形 33">
+            <a:extLst>
+              <a:ext uri="{FF2B5EF4-FFF2-40B4-BE49-F238E27FC236}">
+                <a16:creationId xmlns:a16="http://schemas.microsoft.com/office/drawing/2014/main" id="{9B746B37-9674-898C-D287-7B30F1847D96}"/>
+              </a:ext>
+            </a:extLst>
+          </p:cNvPr>
+          <p:cNvSpPr/>
+          <p:nvPr/>
+        </p:nvSpPr>
+        <p:spPr>
+          <a:xfrm>
+            <a:off x="2841845" y="2757488"/>
+            <a:ext cx="56026" cy="63638"/>
+          </a:xfrm>
+          <a:prstGeom prst="rect">
+            <a:avLst/>
+          </a:prstGeom>
+          <a:solidFill>
+            <a:schemeClr val="bg1"/>
+          </a:solidFill>
+          <a:ln w="6350">
+            <a:solidFill>
+              <a:schemeClr val="tx1"/>
+            </a:solidFill>
+          </a:ln>
+        </p:spPr>
+        <p:style>
+          <a:lnRef idx="2">
+            <a:schemeClr val="accent1">
+              <a:shade val="50000"/>
+            </a:schemeClr>
+          </a:lnRef>
+          <a:fillRef idx="1">
+            <a:schemeClr val="accent1"/>
+          </a:fillRef>
+          <a:effectRef idx="0">
+            <a:schemeClr val="accent1"/>
+          </a:effectRef>
+          <a:fontRef idx="minor">
+            <a:schemeClr val="lt1"/>
+          </a:fontRef>
+        </p:style>
+        <p:txBody>
+          <a:bodyPr rtlCol="0" anchor="ctr"/>
+          <a:lstStyle/>
+          <a:p>
+            <a:pPr algn="ctr"/>
+            <a:endParaRPr kumimoji="1" lang="ja-JP" altLang="en-US"/>
+          </a:p>
+        </p:txBody>
+      </p:sp>
+      <p:sp>
+        <p:nvSpPr>
+          <p:cNvPr id="35" name="正方形/長方形 34">
+            <a:extLst>
+              <a:ext uri="{FF2B5EF4-FFF2-40B4-BE49-F238E27FC236}">
+                <a16:creationId xmlns:a16="http://schemas.microsoft.com/office/drawing/2014/main" id="{1E50CC2C-94DF-8408-C36F-095EE7EB0BAF}"/>
+              </a:ext>
+            </a:extLst>
+          </p:cNvPr>
+          <p:cNvSpPr/>
+          <p:nvPr/>
+        </p:nvSpPr>
+        <p:spPr>
+          <a:xfrm>
+            <a:off x="3584428" y="3417216"/>
+            <a:ext cx="56026" cy="63638"/>
+          </a:xfrm>
+          <a:prstGeom prst="rect">
+            <a:avLst/>
+          </a:prstGeom>
+          <a:solidFill>
+            <a:schemeClr val="bg1"/>
+          </a:solidFill>
+          <a:ln w="6350">
+            <a:solidFill>
+              <a:schemeClr val="tx1"/>
+            </a:solidFill>
+          </a:ln>
+        </p:spPr>
+        <p:style>
+          <a:lnRef idx="2">
+            <a:schemeClr val="accent1">
+              <a:shade val="50000"/>
+            </a:schemeClr>
+          </a:lnRef>
+          <a:fillRef idx="1">
+            <a:schemeClr val="accent1"/>
+          </a:fillRef>
+          <a:effectRef idx="0">
+            <a:schemeClr val="accent1"/>
+          </a:effectRef>
+          <a:fontRef idx="minor">
+            <a:schemeClr val="lt1"/>
+          </a:fontRef>
+        </p:style>
+        <p:txBody>
+          <a:bodyPr rtlCol="0" anchor="ctr"/>
+          <a:lstStyle/>
+          <a:p>
+            <a:pPr algn="ctr"/>
+            <a:endParaRPr kumimoji="1" lang="ja-JP" altLang="en-US"/>
+          </a:p>
+        </p:txBody>
+      </p:sp>
+      <p:cxnSp>
+        <p:nvCxnSpPr>
+          <p:cNvPr id="37" name="コネクタ: カギ線 36">
+            <a:extLst>
+              <a:ext uri="{FF2B5EF4-FFF2-40B4-BE49-F238E27FC236}">
+                <a16:creationId xmlns:a16="http://schemas.microsoft.com/office/drawing/2014/main" id="{EBA0D59A-DB39-16EF-5392-ABA268DEA07B}"/>
+              </a:ext>
+            </a:extLst>
+          </p:cNvPr>
+          <p:cNvCxnSpPr>
+            <a:cxnSpLocks/>
+            <a:stCxn id="32" idx="3"/>
+            <a:endCxn id="33" idx="2"/>
+          </p:cNvCxnSpPr>
+          <p:nvPr/>
+        </p:nvCxnSpPr>
+        <p:spPr>
+          <a:xfrm flipV="1">
+            <a:off x="2693716" y="3449035"/>
+            <a:ext cx="813976" cy="31819"/>
+          </a:xfrm>
+          <a:prstGeom prst="bentConnector2">
+            <a:avLst/>
+          </a:prstGeom>
+        </p:spPr>
+        <p:style>
+          <a:lnRef idx="1">
+            <a:schemeClr val="accent1"/>
+          </a:lnRef>
+          <a:fillRef idx="0">
+            <a:schemeClr val="accent1"/>
+          </a:fillRef>
+          <a:effectRef idx="0">
+            <a:schemeClr val="accent1"/>
+          </a:effectRef>
+          <a:fontRef idx="minor">
+            <a:schemeClr val="tx1"/>
+          </a:fontRef>
+        </p:style>
+      </p:cxnSp>
+      <p:cxnSp>
+        <p:nvCxnSpPr>
+          <p:cNvPr id="41" name="コネクタ: カギ線 40">
+            <a:extLst>
+              <a:ext uri="{FF2B5EF4-FFF2-40B4-BE49-F238E27FC236}">
+                <a16:creationId xmlns:a16="http://schemas.microsoft.com/office/drawing/2014/main" id="{83C02A7C-FBB6-77D5-0BCC-2D54133DBAB1}"/>
+              </a:ext>
+            </a:extLst>
+          </p:cNvPr>
+          <p:cNvCxnSpPr>
+            <a:cxnSpLocks/>
+            <a:stCxn id="34" idx="2"/>
+            <a:endCxn id="43" idx="0"/>
+          </p:cNvCxnSpPr>
+          <p:nvPr/>
+        </p:nvCxnSpPr>
+        <p:spPr>
+          <a:xfrm rot="16200000" flipH="1">
+            <a:off x="2779749" y="2911234"/>
+            <a:ext cx="479396" cy="299179"/>
+          </a:xfrm>
+          <a:prstGeom prst="bentConnector3">
+            <a:avLst/>
+          </a:prstGeom>
+        </p:spPr>
+        <p:style>
+          <a:lnRef idx="1">
+            <a:schemeClr val="accent1"/>
+          </a:lnRef>
+          <a:fillRef idx="0">
+            <a:schemeClr val="accent1"/>
+          </a:fillRef>
+          <a:effectRef idx="0">
+            <a:schemeClr val="accent1"/>
+          </a:effectRef>
+          <a:fontRef idx="minor">
+            <a:schemeClr val="tx1"/>
+          </a:fontRef>
+        </p:style>
+      </p:cxnSp>
+      <p:sp>
+        <p:nvSpPr>
+          <p:cNvPr id="43" name="正方形/長方形 42">
+            <a:extLst>
+              <a:ext uri="{FF2B5EF4-FFF2-40B4-BE49-F238E27FC236}">
+                <a16:creationId xmlns:a16="http://schemas.microsoft.com/office/drawing/2014/main" id="{549F4A9E-8789-CF34-C5B8-1849944102FB}"/>
+              </a:ext>
+            </a:extLst>
+          </p:cNvPr>
+          <p:cNvSpPr/>
+          <p:nvPr/>
+        </p:nvSpPr>
+        <p:spPr>
+          <a:xfrm>
+            <a:off x="3141024" y="3300522"/>
+            <a:ext cx="56026" cy="63638"/>
+          </a:xfrm>
+          <a:prstGeom prst="rect">
+            <a:avLst/>
+          </a:prstGeom>
+          <a:solidFill>
+            <a:schemeClr val="bg1"/>
+          </a:solidFill>
+          <a:ln w="6350">
+            <a:solidFill>
+              <a:schemeClr val="tx1"/>
+            </a:solidFill>
+          </a:ln>
+        </p:spPr>
+        <p:style>
+          <a:lnRef idx="2">
+            <a:schemeClr val="accent1">
+              <a:shade val="50000"/>
+            </a:schemeClr>
+          </a:lnRef>
+          <a:fillRef idx="1">
+            <a:schemeClr val="accent1"/>
+          </a:fillRef>
+          <a:effectRef idx="0">
+            <a:schemeClr val="accent1"/>
+          </a:effectRef>
+          <a:fontRef idx="minor">
+            <a:schemeClr val="lt1"/>
+          </a:fontRef>
+        </p:style>
+        <p:txBody>
+          <a:bodyPr rtlCol="0" anchor="ctr"/>
+          <a:lstStyle/>
+          <a:p>
+            <a:pPr algn="ctr"/>
+            <a:endParaRPr kumimoji="1" lang="ja-JP" altLang="en-US"/>
+          </a:p>
+        </p:txBody>
+      </p:sp>
+      <p:sp>
+        <p:nvSpPr>
+          <p:cNvPr id="47" name="正方形/長方形 46">
+            <a:extLst>
+              <a:ext uri="{FF2B5EF4-FFF2-40B4-BE49-F238E27FC236}">
+                <a16:creationId xmlns:a16="http://schemas.microsoft.com/office/drawing/2014/main" id="{6C70E5A8-1756-0B71-9AA7-830A5B85C548}"/>
+              </a:ext>
+            </a:extLst>
+          </p:cNvPr>
+          <p:cNvSpPr/>
+          <p:nvPr/>
+        </p:nvSpPr>
+        <p:spPr>
+          <a:xfrm>
+            <a:off x="3213277" y="3324626"/>
+            <a:ext cx="56026" cy="63638"/>
+          </a:xfrm>
+          <a:prstGeom prst="rect">
+            <a:avLst/>
+          </a:prstGeom>
+          <a:solidFill>
+            <a:schemeClr val="bg1"/>
+          </a:solidFill>
+          <a:ln w="6350">
+            <a:solidFill>
+              <a:schemeClr val="tx1"/>
+            </a:solidFill>
+          </a:ln>
+        </p:spPr>
+        <p:style>
+          <a:lnRef idx="2">
+            <a:schemeClr val="accent1">
+              <a:shade val="50000"/>
+            </a:schemeClr>
+          </a:lnRef>
+          <a:fillRef idx="1">
+            <a:schemeClr val="accent1"/>
+          </a:fillRef>
+          <a:effectRef idx="0">
+            <a:schemeClr val="accent1"/>
+          </a:effectRef>
+          <a:fontRef idx="minor">
+            <a:schemeClr val="lt1"/>
+          </a:fontRef>
+        </p:style>
+        <p:txBody>
+          <a:bodyPr rtlCol="0" anchor="ctr"/>
+          <a:lstStyle/>
+          <a:p>
+            <a:pPr algn="ctr"/>
+            <a:endParaRPr kumimoji="1" lang="ja-JP" altLang="en-US"/>
+          </a:p>
+        </p:txBody>
+      </p:sp>
+      <p:cxnSp>
+        <p:nvCxnSpPr>
+          <p:cNvPr id="48" name="コネクタ: カギ線 47">
+            <a:extLst>
+              <a:ext uri="{FF2B5EF4-FFF2-40B4-BE49-F238E27FC236}">
+                <a16:creationId xmlns:a16="http://schemas.microsoft.com/office/drawing/2014/main" id="{91DDD1DE-8E9F-C79E-0005-3FF5DE0A82D1}"/>
+              </a:ext>
+            </a:extLst>
+          </p:cNvPr>
+          <p:cNvCxnSpPr>
+            <a:cxnSpLocks/>
+            <a:stCxn id="50" idx="2"/>
+            <a:endCxn id="47" idx="0"/>
+          </p:cNvCxnSpPr>
+          <p:nvPr/>
+        </p:nvCxnSpPr>
+        <p:spPr>
+          <a:xfrm rot="5400000">
+            <a:off x="2987233" y="2026644"/>
+            <a:ext cx="1552039" cy="1043924"/>
+          </a:xfrm>
+          <a:prstGeom prst="bentConnector3">
+            <a:avLst/>
+          </a:prstGeom>
+        </p:spPr>
+        <p:style>
+          <a:lnRef idx="1">
+            <a:schemeClr val="accent1"/>
+          </a:lnRef>
+          <a:fillRef idx="0">
+            <a:schemeClr val="accent1"/>
+          </a:fillRef>
+          <a:effectRef idx="0">
+            <a:schemeClr val="accent1"/>
+          </a:effectRef>
+          <a:fontRef idx="minor">
+            <a:schemeClr val="tx1"/>
+          </a:fontRef>
+        </p:style>
+      </p:cxnSp>
+      <p:sp>
+        <p:nvSpPr>
+          <p:cNvPr id="50" name="正方形/長方形 49">
+            <a:extLst>
+              <a:ext uri="{FF2B5EF4-FFF2-40B4-BE49-F238E27FC236}">
+                <a16:creationId xmlns:a16="http://schemas.microsoft.com/office/drawing/2014/main" id="{EB4C6623-27BD-ED71-DF62-7D775FC91E2B}"/>
+              </a:ext>
+            </a:extLst>
+          </p:cNvPr>
+          <p:cNvSpPr/>
+          <p:nvPr/>
+        </p:nvSpPr>
+        <p:spPr>
+          <a:xfrm>
+            <a:off x="4257201" y="1708949"/>
+            <a:ext cx="56026" cy="63638"/>
+          </a:xfrm>
+          <a:prstGeom prst="rect">
+            <a:avLst/>
+          </a:prstGeom>
+          <a:solidFill>
+            <a:schemeClr val="bg1"/>
+          </a:solidFill>
+          <a:ln w="6350">
+            <a:solidFill>
+              <a:schemeClr val="tx1"/>
+            </a:solidFill>
+          </a:ln>
+        </p:spPr>
+        <p:style>
+          <a:lnRef idx="2">
+            <a:schemeClr val="accent1">
+              <a:shade val="50000"/>
+            </a:schemeClr>
+          </a:lnRef>
+          <a:fillRef idx="1">
+            <a:schemeClr val="accent1"/>
+          </a:fillRef>
+          <a:effectRef idx="0">
+            <a:schemeClr val="accent1"/>
+          </a:effectRef>
+          <a:fontRef idx="minor">
+            <a:schemeClr val="lt1"/>
+          </a:fontRef>
+        </p:style>
+        <p:txBody>
+          <a:bodyPr rtlCol="0" anchor="ctr"/>
+          <a:lstStyle/>
+          <a:p>
+            <a:pPr algn="ctr"/>
+            <a:endParaRPr kumimoji="1" lang="ja-JP" altLang="en-US"/>
+          </a:p>
+        </p:txBody>
+      </p:sp>
+      <p:sp>
+        <p:nvSpPr>
+          <p:cNvPr id="56" name="正方形/長方形 55">
+            <a:extLst>
+              <a:ext uri="{FF2B5EF4-FFF2-40B4-BE49-F238E27FC236}">
+                <a16:creationId xmlns:a16="http://schemas.microsoft.com/office/drawing/2014/main" id="{86CC7E77-C0BB-F9FE-FA6B-2DCA280DA087}"/>
+              </a:ext>
+            </a:extLst>
+          </p:cNvPr>
+          <p:cNvSpPr/>
+          <p:nvPr/>
+        </p:nvSpPr>
+        <p:spPr>
+          <a:xfrm>
+            <a:off x="3927034" y="3232770"/>
+            <a:ext cx="56026" cy="63638"/>
+          </a:xfrm>
+          <a:prstGeom prst="rect">
+            <a:avLst/>
+          </a:prstGeom>
+          <a:solidFill>
+            <a:schemeClr val="bg1"/>
+          </a:solidFill>
+          <a:ln w="6350">
+            <a:solidFill>
+              <a:schemeClr val="tx1"/>
+            </a:solidFill>
+          </a:ln>
+        </p:spPr>
+        <p:style>
+          <a:lnRef idx="2">
+            <a:schemeClr val="accent1">
+              <a:shade val="50000"/>
+            </a:schemeClr>
+          </a:lnRef>
+          <a:fillRef idx="1">
+            <a:schemeClr val="accent1"/>
+          </a:fillRef>
+          <a:effectRef idx="0">
+            <a:schemeClr val="accent1"/>
+          </a:effectRef>
+          <a:fontRef idx="minor">
+            <a:schemeClr val="lt1"/>
+          </a:fontRef>
+        </p:style>
+        <p:txBody>
+          <a:bodyPr rtlCol="0" anchor="ctr"/>
+          <a:lstStyle/>
+          <a:p>
+            <a:pPr algn="ctr"/>
+            <a:endParaRPr kumimoji="1" lang="ja-JP" altLang="en-US"/>
+          </a:p>
+        </p:txBody>
+      </p:sp>
+      <p:cxnSp>
+        <p:nvCxnSpPr>
+          <p:cNvPr id="61" name="コネクタ: カギ線 60">
+            <a:extLst>
+              <a:ext uri="{FF2B5EF4-FFF2-40B4-BE49-F238E27FC236}">
+                <a16:creationId xmlns:a16="http://schemas.microsoft.com/office/drawing/2014/main" id="{4E27E208-DF24-433B-2929-7CFE731CAB05}"/>
+              </a:ext>
+            </a:extLst>
+          </p:cNvPr>
+          <p:cNvCxnSpPr>
+            <a:cxnSpLocks/>
+            <a:stCxn id="35" idx="3"/>
+            <a:endCxn id="56" idx="2"/>
+          </p:cNvCxnSpPr>
+          <p:nvPr/>
+        </p:nvCxnSpPr>
+        <p:spPr>
+          <a:xfrm flipV="1">
+            <a:off x="3640454" y="3296408"/>
+            <a:ext cx="314593" cy="152627"/>
+          </a:xfrm>
+          <a:prstGeom prst="bentConnector2">
+            <a:avLst/>
+          </a:prstGeom>
+        </p:spPr>
+        <p:style>
+          <a:lnRef idx="1">
+            <a:schemeClr val="accent1"/>
+          </a:lnRef>
+          <a:fillRef idx="0">
+            <a:schemeClr val="accent1"/>
+          </a:fillRef>
+          <a:effectRef idx="0">
+            <a:schemeClr val="accent1"/>
+          </a:effectRef>
+          <a:fontRef idx="minor">
+            <a:schemeClr val="tx1"/>
+          </a:fontRef>
+        </p:style>
+      </p:cxnSp>
+      <p:sp>
+        <p:nvSpPr>
+          <p:cNvPr id="66" name="正方形/長方形 65">
+            <a:extLst>
+              <a:ext uri="{FF2B5EF4-FFF2-40B4-BE49-F238E27FC236}">
+                <a16:creationId xmlns:a16="http://schemas.microsoft.com/office/drawing/2014/main" id="{89553ACD-1A7A-8D12-56F3-9DD028FF8200}"/>
+              </a:ext>
+            </a:extLst>
+          </p:cNvPr>
+          <p:cNvSpPr/>
+          <p:nvPr/>
+        </p:nvSpPr>
+        <p:spPr>
+          <a:xfrm>
+            <a:off x="5219929" y="3232770"/>
+            <a:ext cx="56026" cy="63638"/>
+          </a:xfrm>
+          <a:prstGeom prst="rect">
+            <a:avLst/>
+          </a:prstGeom>
+          <a:solidFill>
+            <a:schemeClr val="bg1"/>
+          </a:solidFill>
+          <a:ln w="6350">
+            <a:solidFill>
+              <a:schemeClr val="tx1"/>
+            </a:solidFill>
+          </a:ln>
+        </p:spPr>
+        <p:style>
+          <a:lnRef idx="2">
+            <a:schemeClr val="accent1">
+              <a:shade val="50000"/>
+            </a:schemeClr>
+          </a:lnRef>
+          <a:fillRef idx="1">
+            <a:schemeClr val="accent1"/>
+          </a:fillRef>
+          <a:effectRef idx="0">
+            <a:schemeClr val="accent1"/>
+          </a:effectRef>
+          <a:fontRef idx="minor">
+            <a:schemeClr val="lt1"/>
+          </a:fontRef>
+        </p:style>
+        <p:txBody>
+          <a:bodyPr rtlCol="0" anchor="ctr"/>
+          <a:lstStyle/>
+          <a:p>
+            <a:pPr algn="ctr"/>
+            <a:endParaRPr kumimoji="1" lang="ja-JP" altLang="en-US"/>
+          </a:p>
+        </p:txBody>
+      </p:sp>
+      <p:cxnSp>
+        <p:nvCxnSpPr>
+          <p:cNvPr id="67" name="コネクタ: カギ線 66">
+            <a:extLst>
+              <a:ext uri="{FF2B5EF4-FFF2-40B4-BE49-F238E27FC236}">
+                <a16:creationId xmlns:a16="http://schemas.microsoft.com/office/drawing/2014/main" id="{4E2B0041-75F2-0A3E-1A22-1802D421B4B2}"/>
+              </a:ext>
+            </a:extLst>
+          </p:cNvPr>
+          <p:cNvCxnSpPr>
+            <a:cxnSpLocks/>
+            <a:stCxn id="56" idx="0"/>
+            <a:endCxn id="66" idx="0"/>
+          </p:cNvCxnSpPr>
+          <p:nvPr/>
+        </p:nvCxnSpPr>
+        <p:spPr>
+          <a:xfrm rot="5400000" flipH="1" flipV="1">
+            <a:off x="4601494" y="2586323"/>
+            <a:ext cx="12700" cy="1292895"/>
+          </a:xfrm>
+          <a:prstGeom prst="bentConnector3">
+            <a:avLst>
+              <a:gd name="adj1" fmla="val 1800000"/>
+            </a:avLst>
+          </a:prstGeom>
+          <a:ln>
+            <a:solidFill>
+              <a:schemeClr val="tx1"/>
+            </a:solidFill>
+            <a:prstDash val="sysDash"/>
+          </a:ln>
+        </p:spPr>
+        <p:style>
+          <a:lnRef idx="1">
+            <a:schemeClr val="accent1"/>
+          </a:lnRef>
+          <a:fillRef idx="0">
+            <a:schemeClr val="accent1"/>
+          </a:fillRef>
+          <a:effectRef idx="0">
+            <a:schemeClr val="accent1"/>
+          </a:effectRef>
+          <a:fontRef idx="minor">
+            <a:schemeClr val="tx1"/>
+          </a:fontRef>
+        </p:style>
+      </p:cxnSp>
+      <p:sp>
+        <p:nvSpPr>
+          <p:cNvPr id="72" name="正方形/長方形 71">
+            <a:extLst>
+              <a:ext uri="{FF2B5EF4-FFF2-40B4-BE49-F238E27FC236}">
+                <a16:creationId xmlns:a16="http://schemas.microsoft.com/office/drawing/2014/main" id="{C166ACBB-E72B-C74C-D17A-1DBCACF737D5}"/>
+              </a:ext>
+            </a:extLst>
+          </p:cNvPr>
+          <p:cNvSpPr/>
+          <p:nvPr/>
+        </p:nvSpPr>
+        <p:spPr>
+          <a:xfrm>
+            <a:off x="5636857" y="3629800"/>
+            <a:ext cx="56026" cy="63638"/>
+          </a:xfrm>
+          <a:prstGeom prst="rect">
+            <a:avLst/>
+          </a:prstGeom>
+          <a:solidFill>
+            <a:schemeClr val="bg1"/>
+          </a:solidFill>
+          <a:ln w="6350">
+            <a:solidFill>
+              <a:schemeClr val="tx1"/>
+            </a:solidFill>
+          </a:ln>
+        </p:spPr>
+        <p:style>
+          <a:lnRef idx="2">
+            <a:schemeClr val="accent1">
+              <a:shade val="50000"/>
+            </a:schemeClr>
+          </a:lnRef>
+          <a:fillRef idx="1">
+            <a:schemeClr val="accent1"/>
+          </a:fillRef>
+          <a:effectRef idx="0">
+            <a:schemeClr val="accent1"/>
+          </a:effectRef>
+          <a:fontRef idx="minor">
+            <a:schemeClr val="lt1"/>
+          </a:fontRef>
+        </p:style>
+        <p:txBody>
+          <a:bodyPr rtlCol="0" anchor="ctr"/>
+          <a:lstStyle/>
+          <a:p>
+            <a:pPr algn="ctr"/>
+            <a:endParaRPr kumimoji="1" lang="ja-JP" altLang="en-US"/>
+          </a:p>
+        </p:txBody>
+      </p:sp>
+      <p:cxnSp>
+        <p:nvCxnSpPr>
+          <p:cNvPr id="73" name="コネクタ: カギ線 72">
+            <a:extLst>
+              <a:ext uri="{FF2B5EF4-FFF2-40B4-BE49-F238E27FC236}">
+                <a16:creationId xmlns:a16="http://schemas.microsoft.com/office/drawing/2014/main" id="{9CE879D6-024A-D8EF-CEB1-9B35C6749763}"/>
+              </a:ext>
+            </a:extLst>
+          </p:cNvPr>
+          <p:cNvCxnSpPr>
+            <a:cxnSpLocks/>
+            <a:stCxn id="66" idx="2"/>
+            <a:endCxn id="72" idx="1"/>
+          </p:cNvCxnSpPr>
+          <p:nvPr/>
+        </p:nvCxnSpPr>
+        <p:spPr>
+          <a:xfrm rot="16200000" flipH="1">
+            <a:off x="5259794" y="3284555"/>
+            <a:ext cx="365211" cy="388915"/>
+          </a:xfrm>
+          <a:prstGeom prst="bentConnector2">
+            <a:avLst/>
+          </a:prstGeom>
+        </p:spPr>
+        <p:style>
+          <a:lnRef idx="1">
+            <a:schemeClr val="accent1"/>
+          </a:lnRef>
+          <a:fillRef idx="0">
+            <a:schemeClr val="accent1"/>
+          </a:fillRef>
+          <a:effectRef idx="0">
+            <a:schemeClr val="accent1"/>
+          </a:effectRef>
+          <a:fontRef idx="minor">
+            <a:schemeClr val="tx1"/>
+          </a:fontRef>
+        </p:style>
+      </p:cxnSp>
+      <p:sp>
+        <p:nvSpPr>
+          <p:cNvPr id="77" name="正方形/長方形 76">
+            <a:extLst>
+              <a:ext uri="{FF2B5EF4-FFF2-40B4-BE49-F238E27FC236}">
+                <a16:creationId xmlns:a16="http://schemas.microsoft.com/office/drawing/2014/main" id="{D9E74773-2822-BE6F-6AF6-43A259A9D342}"/>
+              </a:ext>
+            </a:extLst>
+          </p:cNvPr>
+          <p:cNvSpPr/>
+          <p:nvPr/>
+        </p:nvSpPr>
+        <p:spPr>
+          <a:xfrm>
+            <a:off x="5748252" y="3629800"/>
+            <a:ext cx="56026" cy="63638"/>
+          </a:xfrm>
+          <a:prstGeom prst="rect">
+            <a:avLst/>
+          </a:prstGeom>
+          <a:solidFill>
+            <a:schemeClr val="bg1"/>
+          </a:solidFill>
+          <a:ln w="6350">
+            <a:solidFill>
+              <a:schemeClr val="tx1"/>
+            </a:solidFill>
+          </a:ln>
+        </p:spPr>
+        <p:style>
+          <a:lnRef idx="2">
+            <a:schemeClr val="accent1">
+              <a:shade val="50000"/>
+            </a:schemeClr>
+          </a:lnRef>
+          <a:fillRef idx="1">
+            <a:schemeClr val="accent1"/>
+          </a:fillRef>
+          <a:effectRef idx="0">
+            <a:schemeClr val="accent1"/>
+          </a:effectRef>
+          <a:fontRef idx="minor">
+            <a:schemeClr val="lt1"/>
+          </a:fontRef>
+        </p:style>
+        <p:txBody>
+          <a:bodyPr rtlCol="0" anchor="ctr"/>
+          <a:lstStyle/>
+          <a:p>
+            <a:pPr algn="ctr"/>
+            <a:endParaRPr kumimoji="1" lang="ja-JP" altLang="en-US"/>
+          </a:p>
+        </p:txBody>
+      </p:sp>
+      <p:cxnSp>
+        <p:nvCxnSpPr>
+          <p:cNvPr id="78" name="コネクタ: カギ線 77">
+            <a:extLst>
+              <a:ext uri="{FF2B5EF4-FFF2-40B4-BE49-F238E27FC236}">
+                <a16:creationId xmlns:a16="http://schemas.microsoft.com/office/drawing/2014/main" id="{E147DE65-D109-BC61-5D99-5E013B22C25F}"/>
+              </a:ext>
+            </a:extLst>
+          </p:cNvPr>
+          <p:cNvCxnSpPr>
+            <a:cxnSpLocks/>
+            <a:stCxn id="82" idx="2"/>
+            <a:endCxn id="77" idx="0"/>
+          </p:cNvCxnSpPr>
+          <p:nvPr/>
+        </p:nvCxnSpPr>
+        <p:spPr>
+          <a:xfrm rot="5400000">
+            <a:off x="5550340" y="3296197"/>
+            <a:ext cx="559528" cy="107678"/>
+          </a:xfrm>
+          <a:prstGeom prst="bentConnector3">
+            <a:avLst>
+              <a:gd name="adj1" fmla="val 50000"/>
+            </a:avLst>
+          </a:prstGeom>
+        </p:spPr>
+        <p:style>
+          <a:lnRef idx="1">
+            <a:schemeClr val="accent1"/>
+          </a:lnRef>
+          <a:fillRef idx="0">
+            <a:schemeClr val="accent1"/>
+          </a:fillRef>
+          <a:effectRef idx="0">
+            <a:schemeClr val="accent1"/>
+          </a:effectRef>
+          <a:fontRef idx="minor">
+            <a:schemeClr val="tx1"/>
+          </a:fontRef>
+        </p:style>
+      </p:cxnSp>
+      <p:sp>
+        <p:nvSpPr>
+          <p:cNvPr id="82" name="正方形/長方形 81">
+            <a:extLst>
+              <a:ext uri="{FF2B5EF4-FFF2-40B4-BE49-F238E27FC236}">
+                <a16:creationId xmlns:a16="http://schemas.microsoft.com/office/drawing/2014/main" id="{A42078C7-0B2E-449B-CC6E-D840024A5BCE}"/>
+              </a:ext>
+            </a:extLst>
+          </p:cNvPr>
+          <p:cNvSpPr/>
+          <p:nvPr/>
+        </p:nvSpPr>
+        <p:spPr>
+          <a:xfrm>
+            <a:off x="5855930" y="3006634"/>
+            <a:ext cx="56026" cy="63638"/>
+          </a:xfrm>
+          <a:prstGeom prst="rect">
+            <a:avLst/>
+          </a:prstGeom>
+          <a:solidFill>
+            <a:schemeClr val="bg1"/>
+          </a:solidFill>
+          <a:ln w="6350">
+            <a:solidFill>
+              <a:schemeClr val="tx1"/>
+            </a:solidFill>
+          </a:ln>
+        </p:spPr>
+        <p:style>
+          <a:lnRef idx="2">
+            <a:schemeClr val="accent1">
+              <a:shade val="50000"/>
+            </a:schemeClr>
+          </a:lnRef>
+          <a:fillRef idx="1">
+            <a:schemeClr val="accent1"/>
+          </a:fillRef>
+          <a:effectRef idx="0">
+            <a:schemeClr val="accent1"/>
+          </a:effectRef>
+          <a:fontRef idx="minor">
+            <a:schemeClr val="lt1"/>
+          </a:fontRef>
+        </p:style>
+        <p:txBody>
+          <a:bodyPr rtlCol="0" anchor="ctr"/>
+          <a:lstStyle/>
+          <a:p>
+            <a:pPr algn="ctr"/>
+            <a:endParaRPr kumimoji="1" lang="ja-JP" altLang="en-US"/>
+          </a:p>
+        </p:txBody>
+      </p:sp>
+      <p:cxnSp>
+        <p:nvCxnSpPr>
+          <p:cNvPr id="113" name="直線コネクタ 112">
+            <a:extLst>
+              <a:ext uri="{FF2B5EF4-FFF2-40B4-BE49-F238E27FC236}">
+                <a16:creationId xmlns:a16="http://schemas.microsoft.com/office/drawing/2014/main" id="{33B89CFF-20F6-D56B-11BB-086D26B36E3F}"/>
+              </a:ext>
+            </a:extLst>
+          </p:cNvPr>
+          <p:cNvCxnSpPr>
+            <a:cxnSpLocks/>
+          </p:cNvCxnSpPr>
+          <p:nvPr/>
+        </p:nvCxnSpPr>
+        <p:spPr>
+          <a:xfrm>
+            <a:off x="857250" y="1906449"/>
+            <a:ext cx="5727700" cy="0"/>
+          </a:xfrm>
+          <a:prstGeom prst="line">
+            <a:avLst/>
+          </a:prstGeom>
+          <a:ln>
+            <a:solidFill>
+              <a:schemeClr val="bg1">
+                <a:lumMod val="75000"/>
+              </a:schemeClr>
+            </a:solidFill>
+          </a:ln>
+        </p:spPr>
+        <p:style>
+          <a:lnRef idx="1">
+            <a:schemeClr val="accent1"/>
+          </a:lnRef>
+          <a:fillRef idx="0">
+            <a:schemeClr val="accent1"/>
+          </a:fillRef>
+          <a:effectRef idx="0">
+            <a:schemeClr val="accent1"/>
+          </a:effectRef>
+          <a:fontRef idx="minor">
+            <a:schemeClr val="tx1"/>
+          </a:fontRef>
+        </p:style>
+      </p:cxnSp>
+      <p:cxnSp>
+        <p:nvCxnSpPr>
+          <p:cNvPr id="120" name="直線コネクタ 119">
+            <a:extLst>
+              <a:ext uri="{FF2B5EF4-FFF2-40B4-BE49-F238E27FC236}">
+                <a16:creationId xmlns:a16="http://schemas.microsoft.com/office/drawing/2014/main" id="{CE47A941-1A03-E705-A19E-0996B06F2E54}"/>
+              </a:ext>
+            </a:extLst>
+          </p:cNvPr>
+          <p:cNvCxnSpPr>
+            <a:cxnSpLocks/>
+          </p:cNvCxnSpPr>
+          <p:nvPr/>
+        </p:nvCxnSpPr>
+        <p:spPr>
+          <a:xfrm>
+            <a:off x="857250" y="3870447"/>
+            <a:ext cx="5670771" cy="0"/>
+          </a:xfrm>
+          <a:prstGeom prst="line">
+            <a:avLst/>
+          </a:prstGeom>
+          <a:ln>
+            <a:solidFill>
+              <a:schemeClr val="bg1">
+                <a:lumMod val="75000"/>
+              </a:schemeClr>
+            </a:solidFill>
+          </a:ln>
+        </p:spPr>
+        <p:style>
+          <a:lnRef idx="1">
+            <a:schemeClr val="accent1"/>
+          </a:lnRef>
+          <a:fillRef idx="0">
+            <a:schemeClr val="accent1"/>
+          </a:fillRef>
+          <a:effectRef idx="0">
+            <a:schemeClr val="accent1"/>
+          </a:effectRef>
+          <a:fontRef idx="minor">
+            <a:schemeClr val="tx1"/>
+          </a:fontRef>
+        </p:style>
+      </p:cxnSp>
+      <p:sp>
+        <p:nvSpPr>
+          <p:cNvPr id="121" name="テキスト ボックス 120">
+            <a:extLst>
+              <a:ext uri="{FF2B5EF4-FFF2-40B4-BE49-F238E27FC236}">
+                <a16:creationId xmlns:a16="http://schemas.microsoft.com/office/drawing/2014/main" id="{331B6257-99ED-C91A-E4E0-396DB1B1A049}"/>
+              </a:ext>
+            </a:extLst>
+          </p:cNvPr>
+          <p:cNvSpPr txBox="1"/>
+          <p:nvPr/>
+        </p:nvSpPr>
+        <p:spPr>
+          <a:xfrm>
+            <a:off x="694603" y="1556303"/>
+            <a:ext cx="543739" cy="307777"/>
+          </a:xfrm>
+          <a:prstGeom prst="rect">
+            <a:avLst/>
+          </a:prstGeom>
+          <a:noFill/>
+        </p:spPr>
+        <p:txBody>
+          <a:bodyPr wrap="none" rtlCol="0">
+            <a:spAutoFit/>
+          </a:bodyPr>
+          <a:lstStyle/>
+          <a:p>
+            <a:r>
+              <a:rPr lang="ja-JP" altLang="en-US" sz="1400" b="1" dirty="0">
+                <a:latin typeface="Meiryo UI" panose="020B0604030504040204" pitchFamily="50" charset="-128"/>
+                <a:ea typeface="Meiryo UI" panose="020B0604030504040204" pitchFamily="50" charset="-128"/>
+              </a:rPr>
+              <a:t>２階</a:t>
+            </a:r>
+            <a:endParaRPr kumimoji="1" lang="ja-JP" altLang="en-US" sz="1400" b="1" dirty="0">
+              <a:latin typeface="Meiryo UI" panose="020B0604030504040204" pitchFamily="50" charset="-128"/>
+              <a:ea typeface="Meiryo UI" panose="020B0604030504040204" pitchFamily="50" charset="-128"/>
+            </a:endParaRPr>
+          </a:p>
+        </p:txBody>
+      </p:sp>
+      <p:sp>
+        <p:nvSpPr>
+          <p:cNvPr id="122" name="テキスト ボックス 121">
+            <a:extLst>
+              <a:ext uri="{FF2B5EF4-FFF2-40B4-BE49-F238E27FC236}">
+                <a16:creationId xmlns:a16="http://schemas.microsoft.com/office/drawing/2014/main" id="{9ECB4044-A998-A899-5B65-693A9D87E24C}"/>
+              </a:ext>
+            </a:extLst>
+          </p:cNvPr>
+          <p:cNvSpPr txBox="1"/>
+          <p:nvPr/>
+        </p:nvSpPr>
+        <p:spPr>
+          <a:xfrm>
+            <a:off x="694603" y="3573447"/>
+            <a:ext cx="543739" cy="307777"/>
+          </a:xfrm>
+          <a:prstGeom prst="rect">
+            <a:avLst/>
+          </a:prstGeom>
+          <a:noFill/>
+        </p:spPr>
+        <p:txBody>
+          <a:bodyPr wrap="none" rtlCol="0">
+            <a:spAutoFit/>
+          </a:bodyPr>
+          <a:lstStyle/>
+          <a:p>
+            <a:r>
+              <a:rPr lang="ja-JP" altLang="en-US" sz="1400" b="1" dirty="0">
+                <a:latin typeface="Meiryo UI" panose="020B0604030504040204" pitchFamily="50" charset="-128"/>
+                <a:ea typeface="Meiryo UI" panose="020B0604030504040204" pitchFamily="50" charset="-128"/>
+              </a:rPr>
+              <a:t>１階</a:t>
+            </a:r>
+            <a:endParaRPr kumimoji="1" lang="ja-JP" altLang="en-US" sz="1400" b="1" dirty="0">
+              <a:latin typeface="Meiryo UI" panose="020B0604030504040204" pitchFamily="50" charset="-128"/>
+              <a:ea typeface="Meiryo UI" panose="020B0604030504040204" pitchFamily="50" charset="-128"/>
+            </a:endParaRPr>
+          </a:p>
+        </p:txBody>
+      </p:sp>
+      <p:sp>
+        <p:nvSpPr>
+          <p:cNvPr id="127" name="楕円 126">
+            <a:extLst>
+              <a:ext uri="{FF2B5EF4-FFF2-40B4-BE49-F238E27FC236}">
+                <a16:creationId xmlns:a16="http://schemas.microsoft.com/office/drawing/2014/main" id="{416244FC-34D9-1382-7ED9-8DBEA8FD07C7}"/>
+              </a:ext>
+            </a:extLst>
+          </p:cNvPr>
+          <p:cNvSpPr/>
+          <p:nvPr/>
+        </p:nvSpPr>
+        <p:spPr>
+          <a:xfrm>
+            <a:off x="1784302" y="2278642"/>
+            <a:ext cx="2048741" cy="1012112"/>
+          </a:xfrm>
+          <a:prstGeom prst="ellipse">
+            <a:avLst/>
+          </a:prstGeom>
+          <a:solidFill>
+            <a:schemeClr val="accent1">
+              <a:alpha val="40000"/>
+            </a:schemeClr>
+          </a:solidFill>
+          <a:ln>
+            <a:noFill/>
+          </a:ln>
+        </p:spPr>
+        <p:style>
+          <a:lnRef idx="2">
+            <a:schemeClr val="accent1">
+              <a:shade val="50000"/>
+            </a:schemeClr>
+          </a:lnRef>
+          <a:fillRef idx="1">
+            <a:schemeClr val="accent1"/>
+          </a:fillRef>
+          <a:effectRef idx="0">
+            <a:schemeClr val="accent1"/>
+          </a:effectRef>
+          <a:fontRef idx="minor">
+            <a:schemeClr val="lt1"/>
+          </a:fontRef>
+        </p:style>
+        <p:txBody>
+          <a:bodyPr rtlCol="0" anchor="ctr"/>
+          <a:lstStyle/>
+          <a:p>
+            <a:pPr algn="ctr"/>
+            <a:endParaRPr kumimoji="1" lang="ja-JP" altLang="en-US"/>
+          </a:p>
+        </p:txBody>
+      </p:sp>
+      <p:sp>
+        <p:nvSpPr>
+          <p:cNvPr id="131" name="楕円 130">
+            <a:extLst>
+              <a:ext uri="{FF2B5EF4-FFF2-40B4-BE49-F238E27FC236}">
+                <a16:creationId xmlns:a16="http://schemas.microsoft.com/office/drawing/2014/main" id="{994F93CA-417D-C8B0-4009-352FAC739A51}"/>
+              </a:ext>
+            </a:extLst>
+          </p:cNvPr>
+          <p:cNvSpPr/>
+          <p:nvPr/>
+        </p:nvSpPr>
+        <p:spPr>
+          <a:xfrm>
+            <a:off x="1784302" y="1848634"/>
+            <a:ext cx="2048741" cy="1012112"/>
+          </a:xfrm>
+          <a:prstGeom prst="ellipse">
+            <a:avLst/>
+          </a:prstGeom>
+          <a:solidFill>
+            <a:schemeClr val="accent4">
+              <a:lumMod val="60000"/>
+              <a:lumOff val="40000"/>
+              <a:alpha val="40000"/>
+            </a:schemeClr>
+          </a:solidFill>
+          <a:ln>
+            <a:noFill/>
+          </a:ln>
+        </p:spPr>
+        <p:style>
+          <a:lnRef idx="2">
+            <a:schemeClr val="accent1">
+              <a:shade val="50000"/>
+            </a:schemeClr>
+          </a:lnRef>
+          <a:fillRef idx="1">
+            <a:schemeClr val="accent1"/>
+          </a:fillRef>
+          <a:effectRef idx="0">
+            <a:schemeClr val="accent1"/>
+          </a:effectRef>
+          <a:fontRef idx="minor">
+            <a:schemeClr val="lt1"/>
+          </a:fontRef>
+        </p:style>
+        <p:txBody>
+          <a:bodyPr rtlCol="0" anchor="ctr"/>
+          <a:lstStyle/>
+          <a:p>
+            <a:pPr algn="ctr"/>
+            <a:endParaRPr kumimoji="1" lang="ja-JP" altLang="en-US"/>
+          </a:p>
+        </p:txBody>
+      </p:sp>
+      <p:sp>
+        <p:nvSpPr>
+          <p:cNvPr id="132" name="楕円 131">
+            <a:extLst>
+              <a:ext uri="{FF2B5EF4-FFF2-40B4-BE49-F238E27FC236}">
+                <a16:creationId xmlns:a16="http://schemas.microsoft.com/office/drawing/2014/main" id="{F72A846A-0975-CF4C-16EC-2ED487107287}"/>
+              </a:ext>
+            </a:extLst>
+          </p:cNvPr>
+          <p:cNvSpPr/>
+          <p:nvPr/>
+        </p:nvSpPr>
+        <p:spPr>
+          <a:xfrm>
+            <a:off x="3294667" y="1413926"/>
+            <a:ext cx="2048741" cy="1012112"/>
+          </a:xfrm>
+          <a:prstGeom prst="ellipse">
+            <a:avLst/>
+          </a:prstGeom>
+          <a:solidFill>
+            <a:schemeClr val="accent1">
+              <a:alpha val="40000"/>
+            </a:schemeClr>
+          </a:solidFill>
+          <a:ln>
+            <a:noFill/>
+          </a:ln>
+        </p:spPr>
+        <p:style>
+          <a:lnRef idx="2">
+            <a:schemeClr val="accent1">
+              <a:shade val="50000"/>
+            </a:schemeClr>
+          </a:lnRef>
+          <a:fillRef idx="1">
+            <a:schemeClr val="accent1"/>
+          </a:fillRef>
+          <a:effectRef idx="0">
+            <a:schemeClr val="accent1"/>
+          </a:effectRef>
+          <a:fontRef idx="minor">
+            <a:schemeClr val="lt1"/>
+          </a:fontRef>
+        </p:style>
+        <p:txBody>
+          <a:bodyPr rtlCol="0" anchor="ctr"/>
+          <a:lstStyle/>
+          <a:p>
+            <a:pPr algn="ctr"/>
+            <a:endParaRPr kumimoji="1" lang="ja-JP" altLang="en-US"/>
+          </a:p>
+        </p:txBody>
+      </p:sp>
+      <p:sp>
+        <p:nvSpPr>
+          <p:cNvPr id="133" name="楕円 132">
+            <a:extLst>
+              <a:ext uri="{FF2B5EF4-FFF2-40B4-BE49-F238E27FC236}">
+                <a16:creationId xmlns:a16="http://schemas.microsoft.com/office/drawing/2014/main" id="{023C445A-0BD9-6821-6230-194F59B81FB7}"/>
+              </a:ext>
+            </a:extLst>
+          </p:cNvPr>
+          <p:cNvSpPr/>
+          <p:nvPr/>
+        </p:nvSpPr>
+        <p:spPr>
+          <a:xfrm>
+            <a:off x="3294667" y="983918"/>
+            <a:ext cx="2048741" cy="1012112"/>
+          </a:xfrm>
+          <a:prstGeom prst="ellipse">
+            <a:avLst/>
+          </a:prstGeom>
+          <a:solidFill>
+            <a:schemeClr val="accent4">
+              <a:lumMod val="60000"/>
+              <a:lumOff val="40000"/>
+              <a:alpha val="40000"/>
+            </a:schemeClr>
+          </a:solidFill>
+          <a:ln>
+            <a:noFill/>
+          </a:ln>
+        </p:spPr>
+        <p:style>
+          <a:lnRef idx="2">
+            <a:schemeClr val="accent1">
+              <a:shade val="50000"/>
+            </a:schemeClr>
+          </a:lnRef>
+          <a:fillRef idx="1">
+            <a:schemeClr val="accent1"/>
+          </a:fillRef>
+          <a:effectRef idx="0">
+            <a:schemeClr val="accent1"/>
+          </a:effectRef>
+          <a:fontRef idx="minor">
+            <a:schemeClr val="lt1"/>
+          </a:fontRef>
+        </p:style>
+        <p:txBody>
+          <a:bodyPr rtlCol="0" anchor="ctr"/>
+          <a:lstStyle/>
+          <a:p>
+            <a:pPr algn="ctr"/>
+            <a:endParaRPr kumimoji="1" lang="ja-JP" altLang="en-US"/>
+          </a:p>
+        </p:txBody>
+      </p:sp>
+      <p:sp>
+        <p:nvSpPr>
+          <p:cNvPr id="134" name="楕円 133">
+            <a:extLst>
+              <a:ext uri="{FF2B5EF4-FFF2-40B4-BE49-F238E27FC236}">
+                <a16:creationId xmlns:a16="http://schemas.microsoft.com/office/drawing/2014/main" id="{26647ED5-459F-5A20-BB36-71776D1BE6AD}"/>
+              </a:ext>
+            </a:extLst>
+          </p:cNvPr>
+          <p:cNvSpPr/>
+          <p:nvPr/>
+        </p:nvSpPr>
+        <p:spPr>
+          <a:xfrm>
+            <a:off x="4841600" y="2289237"/>
+            <a:ext cx="2048741" cy="1012112"/>
+          </a:xfrm>
+          <a:prstGeom prst="ellipse">
+            <a:avLst/>
+          </a:prstGeom>
+          <a:solidFill>
+            <a:schemeClr val="accent1">
+              <a:alpha val="40000"/>
+            </a:schemeClr>
+          </a:solidFill>
+          <a:ln>
+            <a:noFill/>
+          </a:ln>
+        </p:spPr>
+        <p:style>
+          <a:lnRef idx="2">
+            <a:schemeClr val="accent1">
+              <a:shade val="50000"/>
+            </a:schemeClr>
+          </a:lnRef>
+          <a:fillRef idx="1">
+            <a:schemeClr val="accent1"/>
+          </a:fillRef>
+          <a:effectRef idx="0">
+            <a:schemeClr val="accent1"/>
+          </a:effectRef>
+          <a:fontRef idx="minor">
+            <a:schemeClr val="lt1"/>
+          </a:fontRef>
+        </p:style>
+        <p:txBody>
+          <a:bodyPr rtlCol="0" anchor="ctr"/>
+          <a:lstStyle/>
+          <a:p>
+            <a:pPr algn="ctr"/>
+            <a:endParaRPr kumimoji="1" lang="ja-JP" altLang="en-US"/>
+          </a:p>
+        </p:txBody>
+      </p:sp>
+      <p:sp>
+        <p:nvSpPr>
+          <p:cNvPr id="135" name="楕円 134">
+            <a:extLst>
+              <a:ext uri="{FF2B5EF4-FFF2-40B4-BE49-F238E27FC236}">
+                <a16:creationId xmlns:a16="http://schemas.microsoft.com/office/drawing/2014/main" id="{34635151-FA69-ECF7-69C0-555C77DDBB9B}"/>
+              </a:ext>
+            </a:extLst>
+          </p:cNvPr>
+          <p:cNvSpPr/>
+          <p:nvPr/>
+        </p:nvSpPr>
+        <p:spPr>
+          <a:xfrm>
+            <a:off x="4841600" y="1859229"/>
+            <a:ext cx="2048741" cy="1012112"/>
+          </a:xfrm>
+          <a:prstGeom prst="ellipse">
+            <a:avLst/>
+          </a:prstGeom>
+          <a:solidFill>
+            <a:schemeClr val="accent4">
+              <a:lumMod val="60000"/>
+              <a:lumOff val="40000"/>
+              <a:alpha val="40000"/>
+            </a:schemeClr>
+          </a:solidFill>
+          <a:ln>
+            <a:noFill/>
+          </a:ln>
+        </p:spPr>
+        <p:style>
+          <a:lnRef idx="2">
+            <a:schemeClr val="accent1">
+              <a:shade val="50000"/>
+            </a:schemeClr>
+          </a:lnRef>
+          <a:fillRef idx="1">
+            <a:schemeClr val="accent1"/>
+          </a:fillRef>
+          <a:effectRef idx="0">
+            <a:schemeClr val="accent1"/>
+          </a:effectRef>
+          <a:fontRef idx="minor">
+            <a:schemeClr val="lt1"/>
+          </a:fontRef>
+        </p:style>
+        <p:txBody>
+          <a:bodyPr rtlCol="0" anchor="ctr"/>
+          <a:lstStyle/>
+          <a:p>
+            <a:pPr algn="ctr"/>
+            <a:endParaRPr kumimoji="1" lang="ja-JP" altLang="en-US"/>
+          </a:p>
+        </p:txBody>
+      </p:sp>
+      <p:sp>
+        <p:nvSpPr>
+          <p:cNvPr id="21" name="テキスト ボックス 20">
+            <a:extLst>
+              <a:ext uri="{FF2B5EF4-FFF2-40B4-BE49-F238E27FC236}">
+                <a16:creationId xmlns:a16="http://schemas.microsoft.com/office/drawing/2014/main" id="{388DAC6E-B700-1553-132C-467A5A8C42C9}"/>
+              </a:ext>
+            </a:extLst>
+          </p:cNvPr>
+          <p:cNvSpPr txBox="1"/>
+          <p:nvPr/>
+        </p:nvSpPr>
+        <p:spPr>
+          <a:xfrm>
+            <a:off x="3845775" y="1411757"/>
+            <a:ext cx="1011815" cy="215444"/>
+          </a:xfrm>
+          <a:prstGeom prst="rect">
+            <a:avLst/>
+          </a:prstGeom>
+          <a:noFill/>
+        </p:spPr>
+        <p:txBody>
+          <a:bodyPr wrap="none" rtlCol="0">
+            <a:spAutoFit/>
+          </a:bodyPr>
+          <a:lstStyle/>
+          <a:p>
+            <a:r>
+              <a:rPr lang="en-US" altLang="ja-JP" sz="800" dirty="0">
+                <a:latin typeface="Meiryo UI" panose="020B0604030504040204" pitchFamily="50" charset="-128"/>
+                <a:ea typeface="Meiryo UI" panose="020B0604030504040204" pitchFamily="50" charset="-128"/>
+              </a:rPr>
+              <a:t>Aironet CAP702I</a:t>
+            </a:r>
+          </a:p>
+        </p:txBody>
+      </p:sp>
+      <p:sp>
+        <p:nvSpPr>
+          <p:cNvPr id="22" name="テキスト ボックス 21">
+            <a:extLst>
+              <a:ext uri="{FF2B5EF4-FFF2-40B4-BE49-F238E27FC236}">
+                <a16:creationId xmlns:a16="http://schemas.microsoft.com/office/drawing/2014/main" id="{D8254E0A-9C3D-5EF0-D740-12FF5312A684}"/>
+              </a:ext>
+            </a:extLst>
+          </p:cNvPr>
+          <p:cNvSpPr txBox="1"/>
+          <p:nvPr/>
+        </p:nvSpPr>
+        <p:spPr>
+          <a:xfrm>
+            <a:off x="5534356" y="2358636"/>
+            <a:ext cx="841897" cy="215444"/>
+          </a:xfrm>
+          <a:prstGeom prst="rect">
+            <a:avLst/>
+          </a:prstGeom>
+          <a:noFill/>
+        </p:spPr>
+        <p:txBody>
+          <a:bodyPr wrap="none" rtlCol="0">
+            <a:spAutoFit/>
+          </a:bodyPr>
+          <a:lstStyle/>
+          <a:p>
+            <a:r>
+              <a:rPr lang="en-US" altLang="ja-JP" sz="800" dirty="0">
+                <a:latin typeface="Meiryo UI" panose="020B0604030504040204" pitchFamily="50" charset="-128"/>
+                <a:ea typeface="Meiryo UI" panose="020B0604030504040204" pitchFamily="50" charset="-128"/>
+              </a:rPr>
+              <a:t>Aironet1815I</a:t>
+            </a:r>
+          </a:p>
+        </p:txBody>
+      </p:sp>
+      <p:sp>
+        <p:nvSpPr>
+          <p:cNvPr id="20" name="テキスト ボックス 19">
+            <a:extLst>
+              <a:ext uri="{FF2B5EF4-FFF2-40B4-BE49-F238E27FC236}">
+                <a16:creationId xmlns:a16="http://schemas.microsoft.com/office/drawing/2014/main" id="{D9E93F0A-3D24-FB12-D096-9647494BEA2C}"/>
+              </a:ext>
+            </a:extLst>
+          </p:cNvPr>
+          <p:cNvSpPr txBox="1"/>
+          <p:nvPr/>
+        </p:nvSpPr>
+        <p:spPr>
+          <a:xfrm>
+            <a:off x="2427267" y="2419423"/>
+            <a:ext cx="885179" cy="215444"/>
+          </a:xfrm>
+          <a:prstGeom prst="rect">
+            <a:avLst/>
+          </a:prstGeom>
+          <a:noFill/>
+        </p:spPr>
+        <p:txBody>
+          <a:bodyPr wrap="none" rtlCol="0">
+            <a:spAutoFit/>
+          </a:bodyPr>
+          <a:lstStyle/>
+          <a:p>
+            <a:r>
+              <a:rPr lang="en-US" altLang="ja-JP" sz="800" dirty="0">
+                <a:latin typeface="Meiryo UI" panose="020B0604030504040204" pitchFamily="50" charset="-128"/>
+                <a:ea typeface="Meiryo UI" panose="020B0604030504040204" pitchFamily="50" charset="-128"/>
+              </a:rPr>
+              <a:t>Aironet1815M</a:t>
+            </a:r>
+          </a:p>
+        </p:txBody>
+      </p:sp>
+      <p:sp>
+        <p:nvSpPr>
+          <p:cNvPr id="145" name="テキスト ボックス 144">
+            <a:extLst>
+              <a:ext uri="{FF2B5EF4-FFF2-40B4-BE49-F238E27FC236}">
+                <a16:creationId xmlns:a16="http://schemas.microsoft.com/office/drawing/2014/main" id="{555CD304-5925-9D5D-2166-FE71804E586E}"/>
+              </a:ext>
+            </a:extLst>
+          </p:cNvPr>
+          <p:cNvSpPr txBox="1"/>
+          <p:nvPr/>
+        </p:nvSpPr>
+        <p:spPr>
+          <a:xfrm>
+            <a:off x="1508623" y="727862"/>
+            <a:ext cx="1648849" cy="523220"/>
+          </a:xfrm>
+          <a:prstGeom prst="rect">
+            <a:avLst/>
+          </a:prstGeom>
+          <a:noFill/>
+        </p:spPr>
+        <p:txBody>
+          <a:bodyPr wrap="none" rtlCol="0">
+            <a:spAutoFit/>
+          </a:bodyPr>
+          <a:lstStyle/>
+          <a:p>
+            <a:r>
+              <a:rPr kumimoji="1" lang="en-US" altLang="ja-JP" sz="1400" b="1" dirty="0">
+                <a:solidFill>
+                  <a:schemeClr val="accent4"/>
+                </a:solidFill>
+                <a:latin typeface="Meiryo UI" panose="020B0604030504040204" pitchFamily="50" charset="-128"/>
+                <a:ea typeface="Meiryo UI" panose="020B0604030504040204" pitchFamily="50" charset="-128"/>
+              </a:rPr>
+              <a:t>802.11a</a:t>
+            </a:r>
+          </a:p>
+          <a:p>
+            <a:r>
+              <a:rPr lang="en-US" altLang="ja-JP" sz="1400" b="1" dirty="0">
+                <a:solidFill>
+                  <a:schemeClr val="accent4"/>
+                </a:solidFill>
+                <a:latin typeface="Meiryo UI" panose="020B0604030504040204" pitchFamily="50" charset="-128"/>
+                <a:ea typeface="Meiryo UI" panose="020B0604030504040204" pitchFamily="50" charset="-128"/>
+              </a:rPr>
+              <a:t>SSID taka 11ac</a:t>
+            </a:r>
+            <a:endParaRPr kumimoji="1" lang="ja-JP" altLang="en-US" sz="1400" b="1" dirty="0">
+              <a:solidFill>
+                <a:schemeClr val="accent4"/>
+              </a:solidFill>
+              <a:latin typeface="Meiryo UI" panose="020B0604030504040204" pitchFamily="50" charset="-128"/>
+              <a:ea typeface="Meiryo UI" panose="020B0604030504040204" pitchFamily="50" charset="-128"/>
+            </a:endParaRPr>
+          </a:p>
+        </p:txBody>
+      </p:sp>
+      <p:sp>
+        <p:nvSpPr>
+          <p:cNvPr id="146" name="テキスト ボックス 145">
+            <a:extLst>
+              <a:ext uri="{FF2B5EF4-FFF2-40B4-BE49-F238E27FC236}">
+                <a16:creationId xmlns:a16="http://schemas.microsoft.com/office/drawing/2014/main" id="{E8D3A545-2C45-232E-97F7-A9FF03233E3C}"/>
+              </a:ext>
+            </a:extLst>
+          </p:cNvPr>
+          <p:cNvSpPr txBox="1"/>
+          <p:nvPr/>
+        </p:nvSpPr>
+        <p:spPr>
+          <a:xfrm>
+            <a:off x="1508623" y="1320527"/>
+            <a:ext cx="1679306" cy="523220"/>
+          </a:xfrm>
+          <a:prstGeom prst="rect">
+            <a:avLst/>
+          </a:prstGeom>
+          <a:noFill/>
+        </p:spPr>
+        <p:txBody>
+          <a:bodyPr wrap="none" rtlCol="0">
+            <a:spAutoFit/>
+          </a:bodyPr>
+          <a:lstStyle/>
+          <a:p>
+            <a:r>
+              <a:rPr kumimoji="1" lang="en-US" altLang="ja-JP" sz="1400" b="1" dirty="0">
+                <a:solidFill>
+                  <a:schemeClr val="accent5"/>
+                </a:solidFill>
+                <a:latin typeface="Meiryo UI" panose="020B0604030504040204" pitchFamily="50" charset="-128"/>
+                <a:ea typeface="Meiryo UI" panose="020B0604030504040204" pitchFamily="50" charset="-128"/>
+              </a:rPr>
+              <a:t>802.11g</a:t>
+            </a:r>
+          </a:p>
+          <a:p>
+            <a:r>
+              <a:rPr lang="en-US" altLang="ja-JP" sz="1400" b="1" dirty="0">
+                <a:solidFill>
+                  <a:schemeClr val="accent5"/>
+                </a:solidFill>
+                <a:latin typeface="Meiryo UI" panose="020B0604030504040204" pitchFamily="50" charset="-128"/>
+                <a:ea typeface="Meiryo UI" panose="020B0604030504040204" pitchFamily="50" charset="-128"/>
+              </a:rPr>
+              <a:t>SSID taka 11ng</a:t>
+            </a:r>
+            <a:endParaRPr kumimoji="1" lang="ja-JP" altLang="en-US" sz="1400" b="1" dirty="0">
+              <a:solidFill>
+                <a:schemeClr val="accent5"/>
+              </a:solidFill>
+              <a:latin typeface="Meiryo UI" panose="020B0604030504040204" pitchFamily="50" charset="-128"/>
+              <a:ea typeface="Meiryo UI" panose="020B0604030504040204" pitchFamily="50" charset="-128"/>
+            </a:endParaRPr>
+          </a:p>
+        </p:txBody>
+      </p:sp>
+      <p:sp>
+        <p:nvSpPr>
+          <p:cNvPr id="148" name="テキスト ボックス 147">
+            <a:extLst>
+              <a:ext uri="{FF2B5EF4-FFF2-40B4-BE49-F238E27FC236}">
+                <a16:creationId xmlns:a16="http://schemas.microsoft.com/office/drawing/2014/main" id="{6735BAB4-FFF6-C2EB-FA94-5EF4616D2632}"/>
+              </a:ext>
+            </a:extLst>
+          </p:cNvPr>
+          <p:cNvSpPr txBox="1"/>
+          <p:nvPr/>
+        </p:nvSpPr>
+        <p:spPr>
+          <a:xfrm>
+            <a:off x="4987155" y="665782"/>
+            <a:ext cx="2778196" cy="307777"/>
+          </a:xfrm>
+          <a:prstGeom prst="rect">
+            <a:avLst/>
+          </a:prstGeom>
+          <a:noFill/>
+        </p:spPr>
+        <p:txBody>
+          <a:bodyPr wrap="none" rtlCol="0">
+            <a:spAutoFit/>
+          </a:bodyPr>
+          <a:lstStyle/>
+          <a:p>
+            <a:r>
+              <a:rPr kumimoji="1" lang="ja-JP" altLang="en-US" sz="1400" dirty="0">
+                <a:latin typeface="Meiryo UI" panose="020B0604030504040204" pitchFamily="50" charset="-128"/>
+                <a:ea typeface="Meiryo UI" panose="020B0604030504040204" pitchFamily="50" charset="-128"/>
+              </a:rPr>
+              <a:t>周波数で</a:t>
+            </a:r>
+            <a:r>
+              <a:rPr kumimoji="1" lang="en-US" altLang="ja-JP" sz="1400" dirty="0">
+                <a:latin typeface="Meiryo UI" panose="020B0604030504040204" pitchFamily="50" charset="-128"/>
+                <a:ea typeface="Meiryo UI" panose="020B0604030504040204" pitchFamily="50" charset="-128"/>
+              </a:rPr>
+              <a:t>SSID</a:t>
+            </a:r>
+            <a:r>
+              <a:rPr kumimoji="1" lang="ja-JP" altLang="en-US" sz="1400" dirty="0">
+                <a:latin typeface="Meiryo UI" panose="020B0604030504040204" pitchFamily="50" charset="-128"/>
+                <a:ea typeface="Meiryo UI" panose="020B0604030504040204" pitchFamily="50" charset="-128"/>
+              </a:rPr>
+              <a:t>を分けるべきではない</a:t>
+            </a:r>
+          </a:p>
+        </p:txBody>
+      </p:sp>
+      <p:pic>
+        <p:nvPicPr>
+          <p:cNvPr id="1030" name="Picture 6" descr="「ピクトグラム スマホ」の画像検索結果">
+            <a:extLst>
+              <a:ext uri="{FF2B5EF4-FFF2-40B4-BE49-F238E27FC236}">
+                <a16:creationId xmlns:a16="http://schemas.microsoft.com/office/drawing/2014/main" id="{491E728C-4D04-662B-CEE0-E338884FDE63}"/>
+              </a:ext>
+            </a:extLst>
+          </p:cNvPr>
+          <p:cNvPicPr>
+            <a:picLocks noChangeAspect="1" noChangeArrowheads="1"/>
+          </p:cNvPicPr>
+          <p:nvPr/>
+        </p:nvPicPr>
+        <p:blipFill>
+          <a:blip r:embed="rId8">
+            <a:extLst>
+              <a:ext uri="{28A0092B-C50C-407E-A947-70E740481C1C}">
+                <a14:useLocalDpi xmlns:a14="http://schemas.microsoft.com/office/drawing/2010/main" val="0"/>
+              </a:ext>
+            </a:extLst>
+          </a:blip>
+          <a:srcRect/>
+          <a:stretch>
+            <a:fillRect/>
+          </a:stretch>
+        </p:blipFill>
+        <p:spPr bwMode="auto">
+          <a:xfrm>
+            <a:off x="6160956" y="1073991"/>
+            <a:ext cx="553210" cy="553210"/>
+          </a:xfrm>
+          <a:prstGeom prst="rect">
+            <a:avLst/>
+          </a:prstGeom>
+          <a:noFill/>
+          <a:extLst>
+            <a:ext uri="{909E8E84-426E-40DD-AFC4-6F175D3DCCD1}">
+              <a14:hiddenFill xmlns:a14="http://schemas.microsoft.com/office/drawing/2010/main">
+                <a:solidFill>
+                  <a:srgbClr val="FFFFFF"/>
+                </a:solidFill>
+              </a14:hiddenFill>
+            </a:ext>
+          </a:extLst>
+        </p:spPr>
+      </p:pic>
+      <p:cxnSp>
+        <p:nvCxnSpPr>
+          <p:cNvPr id="150" name="直線矢印コネクタ 149">
+            <a:extLst>
+              <a:ext uri="{FF2B5EF4-FFF2-40B4-BE49-F238E27FC236}">
+                <a16:creationId xmlns:a16="http://schemas.microsoft.com/office/drawing/2014/main" id="{2F68F9FF-718A-E8CE-739F-55AD76662E7A}"/>
+              </a:ext>
+            </a:extLst>
+          </p:cNvPr>
+          <p:cNvCxnSpPr>
+            <a:stCxn id="1030" idx="1"/>
+          </p:cNvCxnSpPr>
+          <p:nvPr/>
+        </p:nvCxnSpPr>
+        <p:spPr>
+          <a:xfrm flipH="1" flipV="1">
+            <a:off x="5219929" y="1174750"/>
+            <a:ext cx="941027" cy="175846"/>
+          </a:xfrm>
+          <a:prstGeom prst="straightConnector1">
+            <a:avLst/>
+          </a:prstGeom>
+          <a:ln>
+            <a:tailEnd type="triangle"/>
+          </a:ln>
+        </p:spPr>
+        <p:style>
+          <a:lnRef idx="1">
+            <a:schemeClr val="accent1"/>
+          </a:lnRef>
+          <a:fillRef idx="0">
+            <a:schemeClr val="accent1"/>
+          </a:fillRef>
+          <a:effectRef idx="0">
+            <a:schemeClr val="accent1"/>
+          </a:effectRef>
+          <a:fontRef idx="minor">
+            <a:schemeClr val="tx1"/>
+          </a:fontRef>
+        </p:style>
+      </p:cxnSp>
+      <p:cxnSp>
+        <p:nvCxnSpPr>
+          <p:cNvPr id="151" name="直線矢印コネクタ 150">
+            <a:extLst>
+              <a:ext uri="{FF2B5EF4-FFF2-40B4-BE49-F238E27FC236}">
+                <a16:creationId xmlns:a16="http://schemas.microsoft.com/office/drawing/2014/main" id="{33D20711-A1FE-B30E-796C-338971591241}"/>
+              </a:ext>
+            </a:extLst>
+          </p:cNvPr>
+          <p:cNvCxnSpPr>
+            <a:cxnSpLocks/>
+            <a:stCxn id="1030" idx="1"/>
+          </p:cNvCxnSpPr>
+          <p:nvPr/>
+        </p:nvCxnSpPr>
+        <p:spPr>
+          <a:xfrm flipH="1">
+            <a:off x="5311505" y="1350596"/>
+            <a:ext cx="849451" cy="441447"/>
+          </a:xfrm>
+          <a:prstGeom prst="straightConnector1">
+            <a:avLst/>
+          </a:prstGeom>
+          <a:ln>
+            <a:tailEnd type="triangle"/>
+          </a:ln>
+        </p:spPr>
+        <p:style>
+          <a:lnRef idx="1">
+            <a:schemeClr val="accent1"/>
+          </a:lnRef>
+          <a:fillRef idx="0">
+            <a:schemeClr val="accent1"/>
+          </a:fillRef>
+          <a:effectRef idx="0">
+            <a:schemeClr val="accent1"/>
+          </a:effectRef>
+          <a:fontRef idx="minor">
+            <a:schemeClr val="tx1"/>
+          </a:fontRef>
+        </p:style>
+      </p:cxnSp>
+      <p:sp>
+        <p:nvSpPr>
+          <p:cNvPr id="153" name="テキスト ボックス 152">
+            <a:extLst>
+              <a:ext uri="{FF2B5EF4-FFF2-40B4-BE49-F238E27FC236}">
+                <a16:creationId xmlns:a16="http://schemas.microsoft.com/office/drawing/2014/main" id="{BC0BCEA5-CEDE-A175-6303-D2BEB65550CD}"/>
+              </a:ext>
+            </a:extLst>
+          </p:cNvPr>
+          <p:cNvSpPr txBox="1"/>
+          <p:nvPr/>
+        </p:nvSpPr>
+        <p:spPr>
+          <a:xfrm>
+            <a:off x="5562499" y="1591528"/>
+            <a:ext cx="2048741" cy="400110"/>
+          </a:xfrm>
+          <a:prstGeom prst="rect">
+            <a:avLst/>
+          </a:prstGeom>
+          <a:noFill/>
+        </p:spPr>
+        <p:txBody>
+          <a:bodyPr wrap="square" rtlCol="0">
+            <a:spAutoFit/>
+          </a:bodyPr>
+          <a:lstStyle/>
+          <a:p>
+            <a:r>
+              <a:rPr kumimoji="1" lang="ja-JP" altLang="en-US" sz="1000" dirty="0">
+                <a:latin typeface="Meiryo UI" panose="020B0604030504040204" pitchFamily="50" charset="-128"/>
+                <a:ea typeface="Meiryo UI" panose="020B0604030504040204" pitchFamily="50" charset="-128"/>
+              </a:rPr>
+              <a:t>同じスマホでも違う</a:t>
+            </a:r>
+            <a:r>
+              <a:rPr kumimoji="1" lang="en-US" altLang="ja-JP" sz="1000" dirty="0">
+                <a:latin typeface="Meiryo UI" panose="020B0604030504040204" pitchFamily="50" charset="-128"/>
+                <a:ea typeface="Meiryo UI" panose="020B0604030504040204" pitchFamily="50" charset="-128"/>
+              </a:rPr>
+              <a:t>SSID</a:t>
+            </a:r>
+            <a:r>
+              <a:rPr kumimoji="1" lang="ja-JP" altLang="en-US" sz="1000" dirty="0">
+                <a:latin typeface="Meiryo UI" panose="020B0604030504040204" pitchFamily="50" charset="-128"/>
+                <a:ea typeface="Meiryo UI" panose="020B0604030504040204" pitchFamily="50" charset="-128"/>
+              </a:rPr>
+              <a:t>に接続すると</a:t>
+            </a:r>
+            <a:r>
+              <a:rPr kumimoji="1" lang="en-US" altLang="ja-JP" sz="1000" dirty="0">
+                <a:latin typeface="Meiryo UI" panose="020B0604030504040204" pitchFamily="50" charset="-128"/>
+                <a:ea typeface="Meiryo UI" panose="020B0604030504040204" pitchFamily="50" charset="-128"/>
+              </a:rPr>
+              <a:t>MAC</a:t>
+            </a:r>
+            <a:r>
+              <a:rPr kumimoji="1" lang="ja-JP" altLang="en-US" sz="1000" dirty="0">
+                <a:latin typeface="Meiryo UI" panose="020B0604030504040204" pitchFamily="50" charset="-128"/>
+                <a:ea typeface="Meiryo UI" panose="020B0604030504040204" pitchFamily="50" charset="-128"/>
+              </a:rPr>
+              <a:t>アドレスが変わってしまう</a:t>
+            </a:r>
+          </a:p>
+        </p:txBody>
+      </p:sp>
+    </p:spTree>
+    <p:extLst>
+      <p:ext uri="{BB962C8B-B14F-4D97-AF65-F5344CB8AC3E}">
+        <p14:creationId xmlns:p14="http://schemas.microsoft.com/office/powerpoint/2010/main" val="2483041059"/>
+      </p:ext>
+    </p:extLst>
+  </p:cSld>
+  <p:clrMapOvr>
+    <a:masterClrMapping/>
+  </p:clrMapOvr>
+</p:sld>
+</file>
+
 <file path=ppt/theme/theme1.xml><?xml version="1.0" encoding="utf-8"?>
 <a:theme xmlns:a="http://schemas.openxmlformats.org/drawingml/2006/main" name="Office テーマ">
   <a:themeElements>
